--- a/sprint-deliveries/Sprint-4.pptx
+++ b/sprint-deliveries/Sprint-4.pptx
@@ -374,7 +374,7 @@
           <a:p>
             <a:fld id="{E730B5BB-675A-468E-8782-7BF8B41F3BDB}" type="datetimeFigureOut">
               <a:rPr lang="en-US" smtClean="0"/>
-              <a:t>6/2/2024</a:t>
+              <a:t>6/3/2024</a:t>
             </a:fld>
             <a:endParaRPr lang="en-US"/>
           </a:p>
@@ -8295,7 +8295,7 @@
         </p:blipFill>
         <p:spPr>
           <a:xfrm rot="14349585">
-            <a:off x="3870031" y="3149821"/>
+            <a:off x="3870030" y="3149821"/>
             <a:ext cx="1256921" cy="1256921"/>
           </a:xfrm>
           <a:prstGeom prst="rect">
@@ -9020,6 +9020,36 @@
           <a:chExt cx="0" cy="0"/>
         </a:xfrm>
       </p:grpSpPr>
+      <p:pic>
+        <p:nvPicPr>
+          <p:cNvPr id="8" name="Picture 7">
+            <a:extLst>
+              <a:ext uri="{FF2B5EF4-FFF2-40B4-BE49-F238E27FC236}">
+                <a16:creationId xmlns:a16="http://schemas.microsoft.com/office/drawing/2014/main" id="{CD19F33B-3DA5-858C-FE7F-BB77DF4EEDB5}"/>
+              </a:ext>
+            </a:extLst>
+          </p:cNvPr>
+          <p:cNvPicPr>
+            <a:picLocks noChangeAspect="1"/>
+          </p:cNvPicPr>
+          <p:nvPr/>
+        </p:nvPicPr>
+        <p:blipFill>
+          <a:blip r:embed="rId3"/>
+          <a:stretch>
+            <a:fillRect/>
+          </a:stretch>
+        </p:blipFill>
+        <p:spPr>
+          <a:xfrm rot="14349585">
+            <a:off x="6741356" y="1081516"/>
+            <a:ext cx="1256921" cy="1256921"/>
+          </a:xfrm>
+          <a:prstGeom prst="rect">
+            <a:avLst/>
+          </a:prstGeom>
+        </p:spPr>
+      </p:pic>
       <p:sp>
         <p:nvSpPr>
           <p:cNvPr id="131" name="Google Shape;131;p22"/>
@@ -9077,7 +9107,7 @@
           <p:nvPr/>
         </p:nvPicPr>
         <p:blipFill>
-          <a:blip r:embed="rId3"/>
+          <a:blip r:embed="rId4"/>
           <a:stretch>
             <a:fillRect/>
           </a:stretch>
@@ -9398,7 +9428,7 @@
           <p:nvPr/>
         </p:nvPicPr>
         <p:blipFill>
-          <a:blip r:embed="rId4">
+          <a:blip r:embed="rId5">
             <a:alphaModFix/>
           </a:blip>
           <a:stretch>
@@ -9434,14 +9464,14 @@
           <p:nvPr/>
         </p:nvPicPr>
         <p:blipFill>
-          <a:blip r:embed="rId5"/>
+          <a:blip r:embed="rId6"/>
           <a:stretch>
             <a:fillRect/>
           </a:stretch>
         </p:blipFill>
         <p:spPr>
           <a:xfrm>
-            <a:off x="6701722" y="3085444"/>
+            <a:off x="6777926" y="3085444"/>
             <a:ext cx="1026977" cy="1026977"/>
           </a:xfrm>
           <a:prstGeom prst="rect">
@@ -9465,7 +9495,7 @@
         </p:nvSpPr>
         <p:spPr>
           <a:xfrm>
-            <a:off x="6312398" y="4159859"/>
+            <a:off x="6388602" y="4159859"/>
             <a:ext cx="1711619" cy="958621"/>
           </a:xfrm>
           <a:prstGeom prst="rect">
@@ -9757,7 +9787,7 @@
           <p:nvPr/>
         </p:nvPicPr>
         <p:blipFill>
-          <a:blip r:embed="rId6"/>
+          <a:blip r:embed="rId7"/>
           <a:stretch>
             <a:fillRect/>
           </a:stretch>
@@ -10078,7 +10108,7 @@
           <p:nvPr/>
         </p:nvPicPr>
         <p:blipFill>
-          <a:blip r:embed="rId4">
+          <a:blip r:embed="rId5">
             <a:alphaModFix/>
           </a:blip>
           <a:stretch>
@@ -10112,7 +10142,7 @@
           <p:nvPr/>
         </p:nvPicPr>
         <p:blipFill>
-          <a:blip r:embed="rId7">
+          <a:blip r:embed="rId8">
             <a:alphaModFix/>
           </a:blip>
           <a:stretch>
@@ -10121,7 +10151,7 @@
         </p:blipFill>
         <p:spPr>
           <a:xfrm>
-            <a:off x="7572192" y="2859761"/>
+            <a:off x="7648396" y="2859761"/>
             <a:ext cx="451825" cy="451825"/>
           </a:xfrm>
           <a:prstGeom prst="rect">
@@ -10131,36 +10161,6 @@
           <a:ln>
             <a:noFill/>
           </a:ln>
-        </p:spPr>
-      </p:pic>
-      <p:pic>
-        <p:nvPicPr>
-          <p:cNvPr id="42" name="Picture 41">
-            <a:extLst>
-              <a:ext uri="{FF2B5EF4-FFF2-40B4-BE49-F238E27FC236}">
-                <a16:creationId xmlns:a16="http://schemas.microsoft.com/office/drawing/2014/main" id="{6EDABBDB-AB6C-F785-13B1-60BAEDFF32CC}"/>
-              </a:ext>
-            </a:extLst>
-          </p:cNvPr>
-          <p:cNvPicPr>
-            <a:picLocks noChangeAspect="1"/>
-          </p:cNvPicPr>
-          <p:nvPr/>
-        </p:nvPicPr>
-        <p:blipFill>
-          <a:blip r:embed="rId8"/>
-          <a:stretch>
-            <a:fillRect/>
-          </a:stretch>
-        </p:blipFill>
-        <p:spPr>
-          <a:xfrm>
-            <a:off x="6627218" y="1122890"/>
-            <a:ext cx="1242778" cy="1242778"/>
-          </a:xfrm>
-          <a:prstGeom prst="rect">
-            <a:avLst/>
-          </a:prstGeom>
         </p:spPr>
       </p:pic>
       <p:sp>
@@ -10179,7 +10179,7 @@
         </p:nvSpPr>
         <p:spPr>
           <a:xfrm>
-            <a:off x="6452593" y="2114269"/>
+            <a:off x="6521090" y="2262554"/>
             <a:ext cx="1711619" cy="958621"/>
           </a:xfrm>
           <a:prstGeom prst="rect">
@@ -10192,7 +10192,7 @@
         </p:spPr>
         <p:txBody>
           <a:bodyPr spcFirstLastPara="1" wrap="square" lIns="91425" tIns="91425" rIns="91425" bIns="91425" anchor="t" anchorCtr="0">
-            <a:normAutofit fontScale="85000" lnSpcReduction="10000"/>
+            <a:normAutofit fontScale="77500" lnSpcReduction="20000"/>
           </a:bodyPr>
           <a:lstStyle>
             <a:defPPr marR="0" lvl="0" algn="l" rtl="0">
@@ -10451,15 +10451,7 @@
             </a:pPr>
             <a:r>
               <a:rPr lang="en-GB" dirty="0"/>
-              <a:t>Static code analysis (</a:t>
-            </a:r>
-            <a:r>
-              <a:rPr lang="en-GB" dirty="0" err="1"/>
-              <a:t>Qodana</a:t>
-            </a:r>
-            <a:r>
-              <a:rPr lang="en-GB" dirty="0"/>
-              <a:t>)</a:t>
+              <a:t>Database horizontal autoscaling</a:t>
             </a:r>
           </a:p>
         </p:txBody>
@@ -10477,7 +10469,7 @@
           <p:nvPr/>
         </p:nvPicPr>
         <p:blipFill>
-          <a:blip r:embed="rId4">
+          <a:blip r:embed="rId5">
             <a:alphaModFix/>
           </a:blip>
           <a:stretch>
@@ -10513,7 +10505,7 @@
           <p:nvPr/>
         </p:nvPicPr>
         <p:blipFill>
-          <a:blip r:embed="rId3"/>
+          <a:blip r:embed="rId4"/>
           <a:stretch>
             <a:fillRect/>
           </a:stretch>
@@ -10834,7 +10826,7 @@
           <p:nvPr/>
         </p:nvPicPr>
         <p:blipFill>
-          <a:blip r:embed="rId4">
+          <a:blip r:embed="rId5">
             <a:alphaModFix/>
           </a:blip>
           <a:stretch>
@@ -11837,7 +11829,7 @@
           <p:nvPr/>
         </p:nvPicPr>
         <p:blipFill>
-          <a:blip r:embed="rId4">
+          <a:blip r:embed="rId5">
             <a:alphaModFix/>
           </a:blip>
           <a:stretch>
@@ -11871,7 +11863,7 @@
           <p:nvPr/>
         </p:nvPicPr>
         <p:blipFill>
-          <a:blip r:embed="rId4">
+          <a:blip r:embed="rId5">
             <a:alphaModFix/>
           </a:blip>
           <a:stretch>
@@ -11905,7 +11897,7 @@
           <p:nvPr/>
         </p:nvPicPr>
         <p:blipFill>
-          <a:blip r:embed="rId4">
+          <a:blip r:embed="rId5">
             <a:alphaModFix/>
           </a:blip>
           <a:stretch>
